--- a/Hill/hill-prj/Hill-Presentation.pptx
+++ b/Hill/hill-prj/Hill-Presentation.pptx
@@ -16,18 +16,19 @@
     <p:sldId id="261" r:id="rId10"/>
     <p:sldId id="262" r:id="rId11"/>
     <p:sldId id="263" r:id="rId12"/>
+    <p:sldId id="264" r:id="rId13"/>
   </p:sldIdLst>
   <p:sldSz cy="5143500" cx="9144000"/>
   <p:notesSz cx="6858000" cy="9144000"/>
   <p:embeddedFontLst>
     <p:embeddedFont>
       <p:font typeface="Average"/>
-      <p:regular r:id="rId13"/>
+      <p:regular r:id="rId14"/>
     </p:embeddedFont>
     <p:embeddedFont>
       <p:font typeface="Oswald"/>
-      <p:regular r:id="rId14"/>
-      <p:bold r:id="rId15"/>
+      <p:regular r:id="rId15"/>
+      <p:bold r:id="rId16"/>
     </p:embeddedFont>
   </p:embeddedFontLst>
   <p:defaultTextStyle>
@@ -674,7 +675,7 @@
   <p:cSld>
     <p:spTree>
       <p:nvGrpSpPr>
-        <p:cNvPr id="74" name="Shape 74"/>
+        <p:cNvPr id="75" name="Shape 75"/>
         <p:cNvGrpSpPr/>
         <p:nvPr/>
       </p:nvGrpSpPr>
@@ -688,7 +689,7 @@
       </p:grpSpPr>
       <p:sp>
         <p:nvSpPr>
-          <p:cNvPr id="75" name="Shape 75"/>
+          <p:cNvPr id="76" name="Shape 76"/>
           <p:cNvSpPr/>
           <p:nvPr>
             <p:ph idx="2" type="sldImg"/>
@@ -722,7 +723,7 @@
       </p:sp>
       <p:sp>
         <p:nvSpPr>
-          <p:cNvPr id="76" name="Shape 76"/>
+          <p:cNvPr id="77" name="Shape 77"/>
           <p:cNvSpPr txBox="1"/>
           <p:nvPr>
             <p:ph idx="1" type="body"/>
@@ -769,7 +770,7 @@
   <p:cSld>
     <p:spTree>
       <p:nvGrpSpPr>
-        <p:cNvPr id="82" name="Shape 82"/>
+        <p:cNvPr id="81" name="Shape 81"/>
         <p:cNvGrpSpPr/>
         <p:nvPr/>
       </p:nvGrpSpPr>
@@ -783,7 +784,7 @@
       </p:grpSpPr>
       <p:sp>
         <p:nvSpPr>
-          <p:cNvPr id="83" name="Shape 83"/>
+          <p:cNvPr id="82" name="Shape 82"/>
           <p:cNvSpPr/>
           <p:nvPr>
             <p:ph idx="2" type="sldImg"/>
@@ -817,7 +818,7 @@
       </p:sp>
       <p:sp>
         <p:nvSpPr>
-          <p:cNvPr id="84" name="Shape 84"/>
+          <p:cNvPr id="83" name="Shape 83"/>
           <p:cNvSpPr txBox="1"/>
           <p:nvPr>
             <p:ph idx="1" type="body"/>
@@ -864,7 +865,7 @@
   <p:cSld>
     <p:spTree>
       <p:nvGrpSpPr>
-        <p:cNvPr id="88" name="Shape 88"/>
+        <p:cNvPr id="89" name="Shape 89"/>
         <p:cNvGrpSpPr/>
         <p:nvPr/>
       </p:nvGrpSpPr>
@@ -878,7 +879,7 @@
       </p:grpSpPr>
       <p:sp>
         <p:nvSpPr>
-          <p:cNvPr id="89" name="Shape 89"/>
+          <p:cNvPr id="90" name="Shape 90"/>
           <p:cNvSpPr/>
           <p:nvPr>
             <p:ph idx="2" type="sldImg"/>
@@ -912,7 +913,7 @@
       </p:sp>
       <p:sp>
         <p:nvSpPr>
-          <p:cNvPr id="90" name="Shape 90"/>
+          <p:cNvPr id="91" name="Shape 91"/>
           <p:cNvSpPr txBox="1"/>
           <p:nvPr>
             <p:ph idx="1" type="body"/>
@@ -1103,6 +1104,101 @@
       <p:sp>
         <p:nvSpPr>
           <p:cNvPr id="104" name="Shape 104"/>
+          <p:cNvSpPr txBox="1"/>
+          <p:nvPr>
+            <p:ph idx="1" type="body"/>
+          </p:nvPr>
+        </p:nvSpPr>
+        <p:spPr>
+          <a:xfrm>
+            <a:off x="685800" y="4343400"/>
+            <a:ext cx="5486400" cy="4114800"/>
+          </a:xfrm>
+          <a:prstGeom prst="rect">
+            <a:avLst/>
+          </a:prstGeom>
+        </p:spPr>
+        <p:txBody>
+          <a:bodyPr anchorCtr="0" anchor="t" bIns="91425" lIns="91425" rIns="91425" tIns="91425">
+            <a:noAutofit/>
+          </a:bodyPr>
+          <a:lstStyle/>
+          <a:p>
+            <a:pPr lvl="0">
+              <a:spcBef>
+                <a:spcPts val="0"/>
+              </a:spcBef>
+              <a:buNone/>
+            </a:pPr>
+            <a:r>
+              <a:t/>
+            </a:r>
+            <a:endParaRPr/>
+          </a:p>
+        </p:txBody>
+      </p:sp>
+    </p:spTree>
+  </p:cSld>
+  <p:clrMapOvr>
+    <a:masterClrMapping/>
+  </p:clrMapOvr>
+</p:notes>
+</file>
+
+<file path=ppt/notesSlides/notesSlide9.xml><?xml version="1.0" encoding="utf-8"?>
+<p:notes xmlns:a="http://schemas.openxmlformats.org/drawingml/2006/main" xmlns:r="http://schemas.openxmlformats.org/officeDocument/2006/relationships" xmlns:mc="http://schemas.openxmlformats.org/markup-compatibility/2006" xmlns:mv="urn:schemas-microsoft-com:mac:vml" xmlns:p="http://schemas.openxmlformats.org/presentationml/2006/main" xmlns:c="http://schemas.openxmlformats.org/drawingml/2006/chart" xmlns:dgm="http://schemas.openxmlformats.org/drawingml/2006/diagram" xmlns:o="urn:schemas-microsoft-com:office:office" xmlns:v="urn:schemas-microsoft-com:vml" xmlns:pvml="urn:schemas-microsoft-com:office:powerpoint" xmlns:com="http://schemas.openxmlformats.org/drawingml/2006/compatibility" xmlns:p14="http://schemas.microsoft.com/office/powerpoint/2010/main" showMasterPhAnim="0" showMasterSp="0">
+  <p:cSld>
+    <p:spTree>
+      <p:nvGrpSpPr>
+        <p:cNvPr id="109" name="Shape 109"/>
+        <p:cNvGrpSpPr/>
+        <p:nvPr/>
+      </p:nvGrpSpPr>
+      <p:grpSpPr>
+        <a:xfrm>
+          <a:off x="0" y="0"/>
+          <a:ext cx="0" cy="0"/>
+          <a:chOff x="0" y="0"/>
+          <a:chExt cx="0" cy="0"/>
+        </a:xfrm>
+      </p:grpSpPr>
+      <p:sp>
+        <p:nvSpPr>
+          <p:cNvPr id="110" name="Shape 110"/>
+          <p:cNvSpPr/>
+          <p:nvPr>
+            <p:ph idx="2" type="sldImg"/>
+          </p:nvPr>
+        </p:nvSpPr>
+        <p:spPr>
+          <a:xfrm>
+            <a:off x="381300" y="685800"/>
+            <a:ext cx="6096000" cy="3429000"/>
+          </a:xfrm>
+          <a:custGeom>
+            <a:pathLst>
+              <a:path extrusionOk="0" h="120000" w="120000">
+                <a:moveTo>
+                  <a:pt x="0" y="0"/>
+                </a:moveTo>
+                <a:lnTo>
+                  <a:pt x="120000" y="0"/>
+                </a:lnTo>
+                <a:lnTo>
+                  <a:pt x="120000" y="120000"/>
+                </a:lnTo>
+                <a:lnTo>
+                  <a:pt x="0" y="120000"/>
+                </a:lnTo>
+                <a:close/>
+              </a:path>
+            </a:pathLst>
+          </a:custGeom>
+        </p:spPr>
+      </p:sp>
+      <p:sp>
+        <p:nvSpPr>
+          <p:cNvPr id="111" name="Shape 111"/>
           <p:cNvSpPr txBox="1"/>
           <p:nvPr>
             <p:ph idx="1" type="body"/>
@@ -4951,7 +5047,7 @@
             </a:pPr>
             <a:r>
               <a:rPr lang="en"/>
-              <a:t>Twitter Sentiment</a:t>
+              <a:t>Problem</a:t>
             </a:r>
           </a:p>
         </p:txBody>
@@ -4979,22 +5075,21 @@
           </a:bodyPr>
           <a:lstStyle/>
           <a:p>
-            <a:pPr lvl="0">
-              <a:spcBef>
-                <a:spcPts val="0"/>
-              </a:spcBef>
-              <a:buNone/>
+            <a:pPr indent="-228600" lvl="0" marL="457200">
+              <a:spcBef>
+                <a:spcPts val="0"/>
+              </a:spcBef>
             </a:pPr>
             <a:r>
-              <a:t/>
+              <a:rPr lang="en"/>
+              <a:t>Flying can be traumatizing</a:t>
             </a:r>
-            <a:endParaRPr/>
           </a:p>
         </p:txBody>
       </p:sp>
       <p:pic>
         <p:nvPicPr>
-          <p:cNvPr descr="tweetspread.PNG" id="67" name="Shape 67"/>
+          <p:cNvPr descr="4090ae236c0a7d128741cdde4f5a05ae.jpg" id="67" name="Shape 67"/>
           <p:cNvPicPr preferRelativeResize="0"/>
           <p:nvPr/>
         </p:nvPicPr>
@@ -5008,8 +5103,8 @@
         </p:blipFill>
         <p:spPr>
           <a:xfrm>
-            <a:off x="311700" y="1017724"/>
-            <a:ext cx="8520598" cy="3671288"/>
+            <a:off x="1836962" y="1734625"/>
+            <a:ext cx="5470075" cy="3080074"/>
           </a:xfrm>
           <a:prstGeom prst="rect">
             <a:avLst/>
@@ -5076,7 +5171,7 @@
             </a:pPr>
             <a:r>
               <a:rPr lang="en"/>
-              <a:t>Massaging the data </a:t>
+              <a:t>Twitter Sentiment</a:t>
             </a:r>
           </a:p>
         </p:txBody>
@@ -5104,79 +5199,47 @@
           </a:bodyPr>
           <a:lstStyle/>
           <a:p>
-            <a:pPr indent="-406400" lvl="0" marL="457200" rtl="0">
-              <a:spcBef>
-                <a:spcPts val="0"/>
-              </a:spcBef>
-              <a:buSzPct val="100000"/>
+            <a:pPr lvl="0">
+              <a:spcBef>
+                <a:spcPts val="0"/>
+              </a:spcBef>
+              <a:buNone/>
             </a:pPr>
             <a:r>
-              <a:rPr lang="en" sz="2800"/>
-              <a:t>Natural Language Toolkit - nltk</a:t>
+              <a:t/>
             </a:r>
-          </a:p>
-          <a:p>
-            <a:pPr indent="-406400" lvl="0" marL="457200" rtl="0">
-              <a:spcBef>
-                <a:spcPts val="0"/>
-              </a:spcBef>
-              <a:buSzPct val="100000"/>
-            </a:pPr>
-            <a:r>
-              <a:rPr lang="en" sz="2800"/>
-              <a:t>Tokenize, lemmatize and remove stopwords</a:t>
-            </a:r>
-          </a:p>
-          <a:p>
-            <a:pPr indent="-406400" lvl="0" marL="457200" rtl="0">
-              <a:spcBef>
-                <a:spcPts val="0"/>
-              </a:spcBef>
-              <a:buSzPct val="100000"/>
-            </a:pPr>
-            <a:r>
-              <a:rPr lang="en" sz="2800"/>
-              <a:t>X becomes our parsed tweets </a:t>
-            </a:r>
-          </a:p>
-          <a:p>
-            <a:pPr indent="-406400" lvl="0" marL="457200" rtl="0">
-              <a:spcBef>
-                <a:spcPts val="0"/>
-              </a:spcBef>
-              <a:buSzPct val="100000"/>
-            </a:pPr>
-            <a:r>
-              <a:rPr lang="en" sz="2800"/>
-              <a:t>Y becomes our sentiment</a:t>
-            </a:r>
-          </a:p>
-          <a:p>
-            <a:pPr indent="-406400" lvl="0" marL="457200" rtl="0">
-              <a:spcBef>
-                <a:spcPts val="0"/>
-              </a:spcBef>
-              <a:buSzPct val="100000"/>
-            </a:pPr>
-            <a:r>
-              <a:rPr lang="en" sz="2800"/>
-              <a:t>Sklearn’s CountVectorizer and Transform methods</a:t>
-            </a:r>
-          </a:p>
-          <a:p>
-            <a:pPr indent="-406400" lvl="0" marL="457200">
-              <a:spcBef>
-                <a:spcPts val="0"/>
-              </a:spcBef>
-              <a:buSzPct val="100000"/>
-            </a:pPr>
-            <a:r>
-              <a:rPr lang="en" sz="2800"/>
-              <a:t>Logistic Regression</a:t>
-            </a:r>
+            <a:endParaRPr/>
           </a:p>
         </p:txBody>
       </p:sp>
+      <p:pic>
+        <p:nvPicPr>
+          <p:cNvPr descr="tweetspread.PNG" id="74" name="Shape 74"/>
+          <p:cNvPicPr preferRelativeResize="0"/>
+          <p:nvPr/>
+        </p:nvPicPr>
+        <p:blipFill>
+          <a:blip r:embed="rId3">
+            <a:alphaModFix/>
+          </a:blip>
+          <a:stretch>
+            <a:fillRect/>
+          </a:stretch>
+        </p:blipFill>
+        <p:spPr>
+          <a:xfrm>
+            <a:off x="311700" y="1017724"/>
+            <a:ext cx="8520598" cy="3671288"/>
+          </a:xfrm>
+          <a:prstGeom prst="rect">
+            <a:avLst/>
+          </a:prstGeom>
+          <a:noFill/>
+          <a:ln>
+            <a:noFill/>
+          </a:ln>
+        </p:spPr>
+      </p:pic>
     </p:spTree>
   </p:cSld>
   <p:clrMapOvr>
@@ -5190,7 +5253,7 @@
   <p:cSld>
     <p:spTree>
       <p:nvGrpSpPr>
-        <p:cNvPr id="77" name="Shape 77"/>
+        <p:cNvPr id="78" name="Shape 78"/>
         <p:cNvGrpSpPr/>
         <p:nvPr/>
       </p:nvGrpSpPr>
@@ -5204,7 +5267,7 @@
       </p:grpSpPr>
       <p:sp>
         <p:nvSpPr>
-          <p:cNvPr id="78" name="Shape 78"/>
+          <p:cNvPr id="79" name="Shape 79"/>
           <p:cNvSpPr txBox="1"/>
           <p:nvPr>
             <p:ph type="title"/>
@@ -5233,95 +5296,107 @@
             </a:pPr>
             <a:r>
               <a:rPr lang="en"/>
-              <a:t>Current Output</a:t>
+              <a:t>Massaging the data </a:t>
             </a:r>
           </a:p>
         </p:txBody>
       </p:sp>
-      <p:pic>
-        <p:nvPicPr>
-          <p:cNvPr descr="tweet2.PNG" id="79" name="Shape 79"/>
-          <p:cNvPicPr preferRelativeResize="0"/>
-          <p:nvPr/>
-        </p:nvPicPr>
-        <p:blipFill>
-          <a:blip r:embed="rId3">
-            <a:alphaModFix/>
-          </a:blip>
-          <a:stretch>
-            <a:fillRect/>
-          </a:stretch>
-        </p:blipFill>
-        <p:spPr>
-          <a:xfrm>
-            <a:off x="311700" y="1433150"/>
-            <a:ext cx="2533650" cy="581025"/>
-          </a:xfrm>
-          <a:prstGeom prst="rect">
-            <a:avLst/>
-          </a:prstGeom>
-          <a:noFill/>
-          <a:ln>
-            <a:noFill/>
-          </a:ln>
-        </p:spPr>
-      </p:pic>
-      <p:pic>
-        <p:nvPicPr>
-          <p:cNvPr descr="tweetout2.PNG" id="80" name="Shape 80"/>
-          <p:cNvPicPr preferRelativeResize="0"/>
-          <p:nvPr/>
-        </p:nvPicPr>
-        <p:blipFill>
-          <a:blip r:embed="rId4">
-            <a:alphaModFix/>
-          </a:blip>
-          <a:stretch>
-            <a:fillRect/>
-          </a:stretch>
-        </p:blipFill>
-        <p:spPr>
-          <a:xfrm>
-            <a:off x="311700" y="2166575"/>
-            <a:ext cx="6070088" cy="1120124"/>
-          </a:xfrm>
-          <a:prstGeom prst="rect">
-            <a:avLst/>
-          </a:prstGeom>
-          <a:noFill/>
-          <a:ln>
-            <a:noFill/>
-          </a:ln>
-        </p:spPr>
-      </p:pic>
-      <p:pic>
-        <p:nvPicPr>
-          <p:cNvPr descr="negout2.PNG" id="81" name="Shape 81"/>
-          <p:cNvPicPr preferRelativeResize="0"/>
-          <p:nvPr/>
-        </p:nvPicPr>
-        <p:blipFill>
-          <a:blip r:embed="rId5">
-            <a:alphaModFix/>
-          </a:blip>
-          <a:stretch>
-            <a:fillRect/>
-          </a:stretch>
-        </p:blipFill>
-        <p:spPr>
-          <a:xfrm>
-            <a:off x="311700" y="3402574"/>
-            <a:ext cx="6981825" cy="1209675"/>
-          </a:xfrm>
-          <a:prstGeom prst="rect">
-            <a:avLst/>
-          </a:prstGeom>
-          <a:noFill/>
-          <a:ln>
-            <a:noFill/>
-          </a:ln>
-        </p:spPr>
-      </p:pic>
+      <p:sp>
+        <p:nvSpPr>
+          <p:cNvPr id="80" name="Shape 80"/>
+          <p:cNvSpPr txBox="1"/>
+          <p:nvPr>
+            <p:ph idx="1" type="body"/>
+          </p:nvPr>
+        </p:nvSpPr>
+        <p:spPr>
+          <a:xfrm>
+            <a:off x="311700" y="1152475"/>
+            <a:ext cx="8520600" cy="3416400"/>
+          </a:xfrm>
+          <a:prstGeom prst="rect">
+            <a:avLst/>
+          </a:prstGeom>
+        </p:spPr>
+        <p:txBody>
+          <a:bodyPr anchorCtr="0" anchor="t" bIns="91425" lIns="91425" rIns="91425" tIns="91425">
+            <a:noAutofit/>
+          </a:bodyPr>
+          <a:lstStyle/>
+          <a:p>
+            <a:pPr indent="-406400" lvl="0" marL="457200" rtl="0">
+              <a:spcBef>
+                <a:spcPts val="0"/>
+              </a:spcBef>
+              <a:buSzPct val="100000"/>
+            </a:pPr>
+            <a:r>
+              <a:rPr lang="en" sz="2800"/>
+              <a:t>Natural Language Toolkit - nltk</a:t>
+            </a:r>
+          </a:p>
+          <a:p>
+            <a:pPr indent="-406400" lvl="0" marL="457200" rtl="0">
+              <a:spcBef>
+                <a:spcPts val="0"/>
+              </a:spcBef>
+              <a:buSzPct val="100000"/>
+            </a:pPr>
+            <a:r>
+              <a:rPr lang="en" sz="2800"/>
+              <a:t>Tokenize, lemmatize and remove stopwords</a:t>
+            </a:r>
+          </a:p>
+          <a:p>
+            <a:pPr indent="-406400" lvl="0" marL="457200" rtl="0">
+              <a:spcBef>
+                <a:spcPts val="0"/>
+              </a:spcBef>
+              <a:buSzPct val="100000"/>
+            </a:pPr>
+            <a:r>
+              <a:rPr lang="en" sz="2800"/>
+              <a:t>X becomes our parsed tweets </a:t>
+            </a:r>
+          </a:p>
+          <a:p>
+            <a:pPr indent="-406400" lvl="0" marL="457200" rtl="0">
+              <a:spcBef>
+                <a:spcPts val="0"/>
+              </a:spcBef>
+              <a:buSzPct val="100000"/>
+            </a:pPr>
+            <a:r>
+              <a:rPr lang="en" sz="2800"/>
+              <a:t>Y becomes our sentiment</a:t>
+            </a:r>
+          </a:p>
+          <a:p>
+            <a:pPr indent="-406400" lvl="0" marL="457200" rtl="0">
+              <a:spcBef>
+                <a:spcPts val="0"/>
+              </a:spcBef>
+              <a:buSzPct val="100000"/>
+            </a:pPr>
+            <a:r>
+              <a:rPr lang="en" sz="2800"/>
+              <a:t>Sklearn’s CountVectorizer and Transform methods</a:t>
+            </a:r>
+          </a:p>
+          <a:p>
+            <a:pPr indent="-406400" lvl="0" marL="457200">
+              <a:spcBef>
+                <a:spcPts val="0"/>
+              </a:spcBef>
+              <a:buSzPct val="100000"/>
+            </a:pPr>
+            <a:r>
+              <a:rPr lang="en" sz="2800"/>
+              <a:t>Logistic Regression</a:t>
+            </a:r>
+          </a:p>
+        </p:txBody>
+      </p:sp>
     </p:spTree>
   </p:cSld>
   <p:clrMapOvr>
@@ -5335,7 +5410,7 @@
   <p:cSld>
     <p:spTree>
       <p:nvGrpSpPr>
-        <p:cNvPr id="85" name="Shape 85"/>
+        <p:cNvPr id="84" name="Shape 84"/>
         <p:cNvGrpSpPr/>
         <p:nvPr/>
       </p:nvGrpSpPr>
@@ -5349,7 +5424,7 @@
       </p:grpSpPr>
       <p:sp>
         <p:nvSpPr>
-          <p:cNvPr id="86" name="Shape 86"/>
+          <p:cNvPr id="85" name="Shape 85"/>
           <p:cNvSpPr txBox="1"/>
           <p:nvPr>
             <p:ph type="title"/>
@@ -5378,14 +5453,14 @@
             </a:pPr>
             <a:r>
               <a:rPr lang="en"/>
-              <a:t>Using a multi output neural network</a:t>
+              <a:t>Current Output</a:t>
             </a:r>
           </a:p>
         </p:txBody>
       </p:sp>
       <p:pic>
         <p:nvPicPr>
-          <p:cNvPr descr="500px-Network3322.png" id="87" name="Shape 87"/>
+          <p:cNvPr descr="tweet2.PNG" id="86" name="Shape 86"/>
           <p:cNvPicPr preferRelativeResize="0"/>
           <p:nvPr/>
         </p:nvPicPr>
@@ -5399,8 +5474,64 @@
         </p:blipFill>
         <p:spPr>
           <a:xfrm>
-            <a:off x="1312351" y="1017726"/>
-            <a:ext cx="6519299" cy="3572575"/>
+            <a:off x="311700" y="1433150"/>
+            <a:ext cx="2533650" cy="581025"/>
+          </a:xfrm>
+          <a:prstGeom prst="rect">
+            <a:avLst/>
+          </a:prstGeom>
+          <a:noFill/>
+          <a:ln>
+            <a:noFill/>
+          </a:ln>
+        </p:spPr>
+      </p:pic>
+      <p:pic>
+        <p:nvPicPr>
+          <p:cNvPr descr="tweetout2.PNG" id="87" name="Shape 87"/>
+          <p:cNvPicPr preferRelativeResize="0"/>
+          <p:nvPr/>
+        </p:nvPicPr>
+        <p:blipFill>
+          <a:blip r:embed="rId4">
+            <a:alphaModFix/>
+          </a:blip>
+          <a:stretch>
+            <a:fillRect/>
+          </a:stretch>
+        </p:blipFill>
+        <p:spPr>
+          <a:xfrm>
+            <a:off x="311700" y="2166575"/>
+            <a:ext cx="6070088" cy="1120124"/>
+          </a:xfrm>
+          <a:prstGeom prst="rect">
+            <a:avLst/>
+          </a:prstGeom>
+          <a:noFill/>
+          <a:ln>
+            <a:noFill/>
+          </a:ln>
+        </p:spPr>
+      </p:pic>
+      <p:pic>
+        <p:nvPicPr>
+          <p:cNvPr descr="negout2.PNG" id="88" name="Shape 88"/>
+          <p:cNvPicPr preferRelativeResize="0"/>
+          <p:nvPr/>
+        </p:nvPicPr>
+        <p:blipFill>
+          <a:blip r:embed="rId5">
+            <a:alphaModFix/>
+          </a:blip>
+          <a:stretch>
+            <a:fillRect/>
+          </a:stretch>
+        </p:blipFill>
+        <p:spPr>
+          <a:xfrm>
+            <a:off x="311700" y="3402574"/>
+            <a:ext cx="6981825" cy="1209675"/>
           </a:xfrm>
           <a:prstGeom prst="rect">
             <a:avLst/>
@@ -5424,7 +5555,7 @@
   <p:cSld>
     <p:spTree>
       <p:nvGrpSpPr>
-        <p:cNvPr id="91" name="Shape 91"/>
+        <p:cNvPr id="92" name="Shape 92"/>
         <p:cNvGrpSpPr/>
         <p:nvPr/>
       </p:nvGrpSpPr>
@@ -5438,7 +5569,7 @@
       </p:grpSpPr>
       <p:sp>
         <p:nvSpPr>
-          <p:cNvPr id="92" name="Shape 92"/>
+          <p:cNvPr id="93" name="Shape 93"/>
           <p:cNvSpPr txBox="1"/>
           <p:nvPr>
             <p:ph type="title"/>
@@ -5467,64 +5598,29 @@
             </a:pPr>
             <a:r>
               <a:rPr lang="en"/>
-              <a:t>Working with more simple data</a:t>
+              <a:t>Using a multi output neural network</a:t>
             </a:r>
           </a:p>
         </p:txBody>
       </p:sp>
-      <p:sp>
-        <p:nvSpPr>
-          <p:cNvPr id="93" name="Shape 93"/>
-          <p:cNvSpPr txBox="1"/>
-          <p:nvPr>
-            <p:ph idx="1" type="body"/>
-          </p:nvPr>
-        </p:nvSpPr>
-        <p:spPr>
-          <a:xfrm>
-            <a:off x="311700" y="1152475"/>
-            <a:ext cx="3991500" cy="3416400"/>
-          </a:xfrm>
-          <a:prstGeom prst="rect">
-            <a:avLst/>
-          </a:prstGeom>
-        </p:spPr>
-        <p:txBody>
-          <a:bodyPr anchorCtr="0" anchor="t" bIns="91425" lIns="91425" rIns="91425" tIns="91425">
-            <a:noAutofit/>
-          </a:bodyPr>
-          <a:lstStyle/>
-          <a:p>
-            <a:pPr indent="-406400" lvl="0" marL="457200">
-              <a:spcBef>
-                <a:spcPts val="0"/>
-              </a:spcBef>
-              <a:buSzPct val="100000"/>
-            </a:pPr>
-            <a:r>
-              <a:rPr lang="en" sz="2800"/>
-              <a:t>Kaggle halloween competition</a:t>
-            </a:r>
-          </a:p>
-        </p:txBody>
-      </p:sp>
       <p:pic>
         <p:nvPicPr>
-          <p:cNvPr descr="ghostspread.PNG" id="94" name="Shape 94"/>
+          <p:cNvPr descr="500px-Network3322.png" id="94" name="Shape 94"/>
           <p:cNvPicPr preferRelativeResize="0"/>
           <p:nvPr/>
         </p:nvPicPr>
-        <p:blipFill rotWithShape="1">
+        <p:blipFill>
           <a:blip r:embed="rId3">
             <a:alphaModFix/>
           </a:blip>
-          <a:srcRect b="20979" l="0" r="0" t="0"/>
-          <a:stretch/>
+          <a:stretch>
+            <a:fillRect/>
+          </a:stretch>
         </p:blipFill>
         <p:spPr>
           <a:xfrm>
-            <a:off x="3653800" y="1017724"/>
-            <a:ext cx="4799375" cy="3907024"/>
+            <a:off x="1312351" y="1017726"/>
+            <a:ext cx="6519299" cy="3572575"/>
           </a:xfrm>
           <a:prstGeom prst="rect">
             <a:avLst/>
@@ -5591,7 +5687,7 @@
             </a:pPr>
             <a:r>
               <a:rPr lang="en"/>
-              <a:t>Massaging the data</a:t>
+              <a:t>Working with more simple data</a:t>
             </a:r>
           </a:p>
         </p:txBody>
@@ -5607,7 +5703,7 @@
         <p:spPr>
           <a:xfrm>
             <a:off x="311700" y="1152475"/>
-            <a:ext cx="4985100" cy="3416400"/>
+            <a:ext cx="3991500" cy="3416400"/>
           </a:xfrm>
           <a:prstGeom prst="rect">
             <a:avLst/>
@@ -5619,58 +5715,22 @@
           </a:bodyPr>
           <a:lstStyle/>
           <a:p>
-            <a:pPr indent="-381000" lvl="0" marL="457200" rtl="0">
+            <a:pPr indent="-406400" lvl="0" marL="457200">
               <a:spcBef>
                 <a:spcPts val="0"/>
               </a:spcBef>
               <a:buSzPct val="100000"/>
             </a:pPr>
             <a:r>
-              <a:rPr lang="en" sz="2400"/>
-              <a:t>X becomes Bone_length, rotting_flesh, hair_length and has_soul </a:t>
-            </a:r>
-          </a:p>
-          <a:p>
-            <a:pPr indent="-381000" lvl="0" marL="457200" rtl="0">
-              <a:spcBef>
-                <a:spcPts val="0"/>
-              </a:spcBef>
-              <a:buSzPct val="100000"/>
-            </a:pPr>
-            <a:r>
-              <a:rPr lang="en" sz="2400"/>
-              <a:t>4 dimensions</a:t>
-            </a:r>
-          </a:p>
-          <a:p>
-            <a:pPr indent="-381000" lvl="0" marL="457200" rtl="0">
-              <a:spcBef>
-                <a:spcPts val="0"/>
-              </a:spcBef>
-              <a:buSzPct val="100000"/>
-            </a:pPr>
-            <a:r>
-              <a:rPr lang="en" sz="2400"/>
-              <a:t>Color of the monster appears to be just noise</a:t>
-            </a:r>
-          </a:p>
-          <a:p>
-            <a:pPr indent="-381000" lvl="0" marL="457200">
-              <a:spcBef>
-                <a:spcPts val="0"/>
-              </a:spcBef>
-              <a:buSzPct val="100000"/>
-            </a:pPr>
-            <a:r>
-              <a:rPr lang="en" sz="2400"/>
-              <a:t>Y becomes the type of monster</a:t>
+              <a:rPr lang="en" sz="2800"/>
+              <a:t>Kaggle halloween competition</a:t>
             </a:r>
           </a:p>
         </p:txBody>
       </p:sp>
       <p:pic>
         <p:nvPicPr>
-          <p:cNvPr descr="y.PNG" id="101" name="Shape 101"/>
+          <p:cNvPr descr="ghostspread.PNG" id="101" name="Shape 101"/>
           <p:cNvPicPr preferRelativeResize="0"/>
           <p:nvPr/>
         </p:nvPicPr>
@@ -5678,13 +5738,13 @@
           <a:blip r:embed="rId3">
             <a:alphaModFix/>
           </a:blip>
-          <a:srcRect b="0" l="0" r="58025" t="0"/>
+          <a:srcRect b="20979" l="0" r="0" t="0"/>
           <a:stretch/>
         </p:blipFill>
         <p:spPr>
           <a:xfrm>
-            <a:off x="5559076" y="1120000"/>
-            <a:ext cx="3158749" cy="3146750"/>
+            <a:off x="3653800" y="1017724"/>
+            <a:ext cx="4799375" cy="3907024"/>
           </a:xfrm>
           <a:prstGeom prst="rect">
             <a:avLst/>
@@ -5751,14 +5811,98 @@
             </a:pPr>
             <a:r>
               <a:rPr lang="en"/>
-              <a:t>Into the neural network</a:t>
+              <a:t>Massaging the data</a:t>
             </a:r>
           </a:p>
         </p:txBody>
       </p:sp>
+      <p:sp>
+        <p:nvSpPr>
+          <p:cNvPr id="107" name="Shape 107"/>
+          <p:cNvSpPr txBox="1"/>
+          <p:nvPr>
+            <p:ph idx="1" type="body"/>
+          </p:nvPr>
+        </p:nvSpPr>
+        <p:spPr>
+          <a:xfrm>
+            <a:off x="311700" y="1152475"/>
+            <a:ext cx="4985100" cy="3416400"/>
+          </a:xfrm>
+          <a:prstGeom prst="rect">
+            <a:avLst/>
+          </a:prstGeom>
+        </p:spPr>
+        <p:txBody>
+          <a:bodyPr anchorCtr="0" anchor="t" bIns="91425" lIns="91425" rIns="91425" tIns="91425">
+            <a:noAutofit/>
+          </a:bodyPr>
+          <a:lstStyle/>
+          <a:p>
+            <a:pPr indent="-381000" lvl="0" marL="457200" rtl="0">
+              <a:spcBef>
+                <a:spcPts val="0"/>
+              </a:spcBef>
+              <a:buSzPct val="100000"/>
+            </a:pPr>
+            <a:r>
+              <a:rPr lang="en" sz="2400"/>
+              <a:t>X becomes Bone_length, rotting_flesh, hair_length and has_soul </a:t>
+            </a:r>
+          </a:p>
+          <a:p>
+            <a:pPr indent="-381000" lvl="0" marL="457200" rtl="0">
+              <a:spcBef>
+                <a:spcPts val="0"/>
+              </a:spcBef>
+              <a:buSzPct val="100000"/>
+            </a:pPr>
+            <a:r>
+              <a:rPr lang="en" sz="2400"/>
+              <a:t>4 features</a:t>
+            </a:r>
+          </a:p>
+          <a:p>
+            <a:pPr indent="-381000" lvl="0" marL="457200" rtl="0">
+              <a:spcBef>
+                <a:spcPts val="0"/>
+              </a:spcBef>
+              <a:buSzPct val="100000"/>
+            </a:pPr>
+            <a:r>
+              <a:rPr lang="en" sz="2400"/>
+              <a:t>Color of the monster appears to be just noise</a:t>
+            </a:r>
+          </a:p>
+          <a:p>
+            <a:pPr indent="-381000" lvl="0" marL="457200" rtl="0">
+              <a:spcBef>
+                <a:spcPts val="0"/>
+              </a:spcBef>
+              <a:buSzPct val="100000"/>
+            </a:pPr>
+            <a:r>
+              <a:rPr lang="en" sz="2400"/>
+              <a:t>pandas.get_dummies</a:t>
+            </a:r>
+          </a:p>
+          <a:p>
+            <a:pPr indent="-381000" lvl="0" marL="457200">
+              <a:spcBef>
+                <a:spcPts val="0"/>
+              </a:spcBef>
+              <a:buSzPct val="100000"/>
+            </a:pPr>
+            <a:r>
+              <a:rPr lang="en" sz="2400"/>
+              <a:t>Y becomes the type of monster</a:t>
+            </a:r>
+          </a:p>
+        </p:txBody>
+      </p:sp>
       <p:pic>
         <p:nvPicPr>
-          <p:cNvPr descr="values.PNG" id="107" name="Shape 107"/>
+          <p:cNvPr descr="y.PNG" id="108" name="Shape 108"/>
           <p:cNvPicPr preferRelativeResize="0"/>
           <p:nvPr/>
         </p:nvPicPr>
@@ -5766,13 +5910,13 @@
           <a:blip r:embed="rId3">
             <a:alphaModFix/>
           </a:blip>
-          <a:srcRect b="92587" l="0" r="44888" t="0"/>
+          <a:srcRect b="0" l="0" r="58025" t="0"/>
           <a:stretch/>
         </p:blipFill>
         <p:spPr>
           <a:xfrm>
-            <a:off x="311700" y="1020350"/>
-            <a:ext cx="5274050" cy="762350"/>
+            <a:off x="5559076" y="1120000"/>
+            <a:ext cx="3158749" cy="3146750"/>
           </a:xfrm>
           <a:prstGeom prst="rect">
             <a:avLst/>
@@ -5783,23 +5927,130 @@
           </a:ln>
         </p:spPr>
       </p:pic>
+    </p:spTree>
+  </p:cSld>
+  <p:clrMapOvr>
+    <a:masterClrMapping/>
+  </p:clrMapOvr>
+</p:sld>
+</file>
+
+<file path=ppt/slides/slide9.xml><?xml version="1.0" encoding="utf-8"?>
+<p:sld xmlns:a="http://schemas.openxmlformats.org/drawingml/2006/main" xmlns:r="http://schemas.openxmlformats.org/officeDocument/2006/relationships" xmlns:mc="http://schemas.openxmlformats.org/markup-compatibility/2006" xmlns:mv="urn:schemas-microsoft-com:mac:vml" xmlns:p="http://schemas.openxmlformats.org/presentationml/2006/main" xmlns:c="http://schemas.openxmlformats.org/drawingml/2006/chart" xmlns:dgm="http://schemas.openxmlformats.org/drawingml/2006/diagram" xmlns:o="urn:schemas-microsoft-com:office:office" xmlns:v="urn:schemas-microsoft-com:vml" xmlns:pvml="urn:schemas-microsoft-com:office:powerpoint" xmlns:com="http://schemas.openxmlformats.org/drawingml/2006/compatibility" xmlns:p14="http://schemas.microsoft.com/office/powerpoint/2010/main">
+  <p:cSld>
+    <p:spTree>
+      <p:nvGrpSpPr>
+        <p:cNvPr id="112" name="Shape 112"/>
+        <p:cNvGrpSpPr/>
+        <p:nvPr/>
+      </p:nvGrpSpPr>
+      <p:grpSpPr>
+        <a:xfrm>
+          <a:off x="0" y="0"/>
+          <a:ext cx="0" cy="0"/>
+          <a:chOff x="0" y="0"/>
+          <a:chExt cx="0" cy="0"/>
+        </a:xfrm>
+      </p:grpSpPr>
+      <p:sp>
+        <p:nvSpPr>
+          <p:cNvPr id="113" name="Shape 113"/>
+          <p:cNvSpPr txBox="1"/>
+          <p:nvPr>
+            <p:ph type="title"/>
+          </p:nvPr>
+        </p:nvSpPr>
+        <p:spPr>
+          <a:xfrm>
+            <a:off x="311700" y="445025"/>
+            <a:ext cx="8520600" cy="572700"/>
+          </a:xfrm>
+          <a:prstGeom prst="rect">
+            <a:avLst/>
+          </a:prstGeom>
+        </p:spPr>
+        <p:txBody>
+          <a:bodyPr anchorCtr="0" anchor="t" bIns="91425" lIns="91425" rIns="91425" tIns="91425">
+            <a:noAutofit/>
+          </a:bodyPr>
+          <a:lstStyle/>
+          <a:p>
+            <a:pPr lvl="0">
+              <a:spcBef>
+                <a:spcPts val="0"/>
+              </a:spcBef>
+              <a:buNone/>
+            </a:pPr>
+            <a:r>
+              <a:rPr lang="en"/>
+              <a:t>Into the neural network</a:t>
+            </a:r>
+          </a:p>
+        </p:txBody>
+      </p:sp>
+      <p:sp>
+        <p:nvSpPr>
+          <p:cNvPr id="114" name="Shape 114"/>
+          <p:cNvSpPr txBox="1"/>
+          <p:nvPr>
+            <p:ph idx="1" type="body"/>
+          </p:nvPr>
+        </p:nvSpPr>
+        <p:spPr>
+          <a:xfrm>
+            <a:off x="311700" y="1152475"/>
+            <a:ext cx="8520600" cy="3416400"/>
+          </a:xfrm>
+          <a:prstGeom prst="rect">
+            <a:avLst/>
+          </a:prstGeom>
+        </p:spPr>
+        <p:txBody>
+          <a:bodyPr anchorCtr="0" anchor="t" bIns="91425" lIns="91425" rIns="91425" tIns="91425">
+            <a:noAutofit/>
+          </a:bodyPr>
+          <a:lstStyle/>
+          <a:p>
+            <a:pPr indent="-228600" lvl="0" marL="457200" rtl="0">
+              <a:spcBef>
+                <a:spcPts val="0"/>
+              </a:spcBef>
+            </a:pPr>
+            <a:r>
+              <a:rPr lang="en"/>
+              <a:t>Usually around 20 to 40 neurons using MLP</a:t>
+            </a:r>
+          </a:p>
+          <a:p>
+            <a:pPr indent="-228600" lvl="0" marL="457200">
+              <a:spcBef>
+                <a:spcPts val="0"/>
+              </a:spcBef>
+            </a:pPr>
+            <a:r>
+              <a:rPr lang="en"/>
+              <a:t>My best score has been 0.465 but on average its 0.45</a:t>
+            </a:r>
+          </a:p>
+        </p:txBody>
+      </p:sp>
       <p:pic>
         <p:nvPicPr>
-          <p:cNvPr descr="output.PNG" id="108" name="Shape 108"/>
+          <p:cNvPr descr="values.PNG" id="115" name="Shape 115"/>
           <p:cNvPicPr preferRelativeResize="0"/>
           <p:nvPr/>
         </p:nvPicPr>
         <p:blipFill rotWithShape="1">
-          <a:blip r:embed="rId4">
+          <a:blip r:embed="rId3">
             <a:alphaModFix/>
           </a:blip>
-          <a:srcRect b="54260" l="0" r="0" t="0"/>
+          <a:srcRect b="3744" l="0" r="61142" t="86817"/>
           <a:stretch/>
         </p:blipFill>
         <p:spPr>
           <a:xfrm>
-            <a:off x="7305575" y="510775"/>
-            <a:ext cx="1526724" cy="4409474"/>
+            <a:off x="2530125" y="3422400"/>
+            <a:ext cx="4083749" cy="1066099"/>
           </a:xfrm>
           <a:prstGeom prst="rect">
             <a:avLst/>
@@ -5812,12 +6063,12 @@
       </p:pic>
       <p:pic>
         <p:nvPicPr>
-          <p:cNvPr descr="epoks.PNG" id="109" name="Shape 109"/>
+          <p:cNvPr descr="wow.PNG" id="116" name="Shape 116"/>
           <p:cNvPicPr preferRelativeResize="0"/>
           <p:nvPr/>
         </p:nvPicPr>
         <p:blipFill>
-          <a:blip r:embed="rId5">
+          <a:blip r:embed="rId4">
             <a:alphaModFix/>
           </a:blip>
           <a:stretch>
@@ -5826,35 +6077,8 @@
         </p:blipFill>
         <p:spPr>
           <a:xfrm>
-            <a:off x="311712" y="3530000"/>
-            <a:ext cx="3268262" cy="692102"/>
-          </a:xfrm>
-          <a:prstGeom prst="rect">
-            <a:avLst/>
-          </a:prstGeom>
-          <a:noFill/>
-          <a:ln>
-            <a:noFill/>
-          </a:ln>
-        </p:spPr>
-      </p:pic>
-      <p:pic>
-        <p:nvPicPr>
-          <p:cNvPr descr="values.PNG" id="110" name="Shape 110"/>
-          <p:cNvPicPr preferRelativeResize="0"/>
-          <p:nvPr/>
-        </p:nvPicPr>
-        <p:blipFill rotWithShape="1">
-          <a:blip r:embed="rId6">
-            <a:alphaModFix/>
-          </a:blip>
-          <a:srcRect b="0" l="0" r="0" t="86816"/>
-          <a:stretch/>
-        </p:blipFill>
-        <p:spPr>
-          <a:xfrm>
-            <a:off x="267850" y="2207001"/>
-            <a:ext cx="6342825" cy="898674"/>
+            <a:off x="1438000" y="2456375"/>
+            <a:ext cx="6267999" cy="626799"/>
           </a:xfrm>
           <a:prstGeom prst="rect">
             <a:avLst/>
@@ -5874,6 +6098,285 @@
 </file>
 
 <file path=ppt/theme/theme1.xml><?xml version="1.0" encoding="utf-8"?>
+<a:theme xmlns:a="http://schemas.openxmlformats.org/drawingml/2006/main" xmlns:r="http://schemas.openxmlformats.org/officeDocument/2006/relationships" name="Custom Theme">
+  <a:themeElements>
+    <a:clrScheme name="Default">
+      <a:dk1>
+        <a:srgbClr val="000000"/>
+      </a:dk1>
+      <a:lt1>
+        <a:srgbClr val="FFFFFF"/>
+      </a:lt1>
+      <a:dk2>
+        <a:srgbClr val="158158"/>
+      </a:dk2>
+      <a:lt2>
+        <a:srgbClr val="F3F3F3"/>
+      </a:lt2>
+      <a:accent1>
+        <a:srgbClr val="058DC7"/>
+      </a:accent1>
+      <a:accent2>
+        <a:srgbClr val="50B432"/>
+      </a:accent2>
+      <a:accent3>
+        <a:srgbClr val="ED561B"/>
+      </a:accent3>
+      <a:accent4>
+        <a:srgbClr val="EDEF00"/>
+      </a:accent4>
+      <a:accent5>
+        <a:srgbClr val="24CBE5"/>
+      </a:accent5>
+      <a:accent6>
+        <a:srgbClr val="64E572"/>
+      </a:accent6>
+      <a:hlink>
+        <a:srgbClr val="2200CC"/>
+      </a:hlink>
+      <a:folHlink>
+        <a:srgbClr val="551A8B"/>
+      </a:folHlink>
+    </a:clrScheme>
+    <a:fontScheme name="Office">
+      <a:majorFont>
+        <a:latin typeface="Arial"/>
+        <a:ea typeface=""/>
+        <a:cs typeface=""/>
+        <a:font script="Jpan" typeface="ＭＳ Ｐゴシック"/>
+        <a:font script="Hang" typeface="맑은 고딕"/>
+        <a:font script="Hans" typeface="宋体"/>
+        <a:font script="Hant" typeface="新細明體"/>
+        <a:font script="Arab" typeface="Times New Roman"/>
+        <a:font script="Hebr" typeface="Times New Roman"/>
+        <a:font script="Thai" typeface="Angsana New"/>
+        <a:font script="Ethi" typeface="Nyala"/>
+        <a:font script="Beng" typeface="Vrinda"/>
+        <a:font script="Gujr" typeface="Shruti"/>
+        <a:font script="Khmr" typeface="MoolBoran"/>
+        <a:font script="Knda" typeface="Tunga"/>
+        <a:font script="Guru" typeface="Raavi"/>
+        <a:font script="Cans" typeface="Euphemia"/>
+        <a:font script="Cher" typeface="Plantagenet Cherokee"/>
+        <a:font script="Yiii" typeface="Microsoft Yi Baiti"/>
+        <a:font script="Tibt" typeface="Microsoft Himalaya"/>
+        <a:font script="Thaa" typeface="MV Boli"/>
+        <a:font script="Deva" typeface="Mangal"/>
+        <a:font script="Telu" typeface="Gautami"/>
+        <a:font script="Taml" typeface="Latha"/>
+        <a:font script="Syrc" typeface="Estrangelo Edessa"/>
+        <a:font script="Orya" typeface="Kalinga"/>
+        <a:font script="Mlym" typeface="Kartika"/>
+        <a:font script="Laoo" typeface="DokChampa"/>
+        <a:font script="Sinh" typeface="Iskoola Pota"/>
+        <a:font script="Mong" typeface="Mongolian Baiti"/>
+        <a:font script="Viet" typeface="Times New Roman"/>
+        <a:font script="Uigh" typeface="Microsoft Uighur"/>
+        <a:font script="Geor" typeface="Sylfaen"/>
+      </a:majorFont>
+      <a:minorFont>
+        <a:latin typeface="Arial"/>
+        <a:ea typeface=""/>
+        <a:cs typeface=""/>
+        <a:font script="Jpan" typeface="ＭＳ Ｐゴシック"/>
+        <a:font script="Hang" typeface="맑은 고딕"/>
+        <a:font script="Hans" typeface="宋体"/>
+        <a:font script="Hant" typeface="新細明體"/>
+        <a:font script="Arab" typeface="Arial"/>
+        <a:font script="Hebr" typeface="Arial"/>
+        <a:font script="Thai" typeface="Cordia New"/>
+        <a:font script="Ethi" typeface="Nyala"/>
+        <a:font script="Beng" typeface="Vrinda"/>
+        <a:font script="Gujr" typeface="Shruti"/>
+        <a:font script="Khmr" typeface="DaunPenh"/>
+        <a:font script="Knda" typeface="Tunga"/>
+        <a:font script="Guru" typeface="Raavi"/>
+        <a:font script="Cans" typeface="Euphemia"/>
+        <a:font script="Cher" typeface="Plantagenet Cherokee"/>
+        <a:font script="Yiii" typeface="Microsoft Yi Baiti"/>
+        <a:font script="Tibt" typeface="Microsoft Himalaya"/>
+        <a:font script="Thaa" typeface="MV Boli"/>
+        <a:font script="Deva" typeface="Mangal"/>
+        <a:font script="Telu" typeface="Gautami"/>
+        <a:font script="Taml" typeface="Latha"/>
+        <a:font script="Syrc" typeface="Estrangelo Edessa"/>
+        <a:font script="Orya" typeface="Kalinga"/>
+        <a:font script="Mlym" typeface="Kartika"/>
+        <a:font script="Laoo" typeface="DokChampa"/>
+        <a:font script="Sinh" typeface="Iskoola Pota"/>
+        <a:font script="Mong" typeface="Mongolian Baiti"/>
+        <a:font script="Viet" typeface="Arial"/>
+        <a:font script="Uigh" typeface="Microsoft Uighur"/>
+        <a:font script="Geor" typeface="Sylfaen"/>
+      </a:minorFont>
+    </a:fontScheme>
+    <a:fmtScheme name="Office">
+      <a:fillStyleLst>
+        <a:solidFill>
+          <a:schemeClr val="phClr"/>
+        </a:solidFill>
+        <a:gradFill rotWithShape="1">
+          <a:gsLst>
+            <a:gs pos="0">
+              <a:schemeClr val="phClr">
+                <a:tint val="50000"/>
+                <a:satMod val="300000"/>
+              </a:schemeClr>
+            </a:gs>
+            <a:gs pos="35000">
+              <a:schemeClr val="phClr">
+                <a:tint val="37000"/>
+                <a:satMod val="300000"/>
+              </a:schemeClr>
+            </a:gs>
+            <a:gs pos="100000">
+              <a:schemeClr val="phClr">
+                <a:tint val="15000"/>
+                <a:satMod val="350000"/>
+              </a:schemeClr>
+            </a:gs>
+          </a:gsLst>
+          <a:lin ang="16200000" scaled="1"/>
+        </a:gradFill>
+        <a:gradFill rotWithShape="1">
+          <a:gsLst>
+            <a:gs pos="0">
+              <a:schemeClr val="phClr">
+                <a:tint val="100000"/>
+                <a:shade val="100000"/>
+                <a:satMod val="130000"/>
+              </a:schemeClr>
+            </a:gs>
+            <a:gs pos="100000">
+              <a:schemeClr val="phClr">
+                <a:tint val="50000"/>
+                <a:shade val="100000"/>
+                <a:satMod val="350000"/>
+              </a:schemeClr>
+            </a:gs>
+          </a:gsLst>
+          <a:lin ang="16200000" scaled="0"/>
+        </a:gradFill>
+      </a:fillStyleLst>
+      <a:lnStyleLst>
+        <a:ln w="9525" cap="flat" cmpd="sng" algn="ctr">
+          <a:solidFill>
+            <a:schemeClr val="phClr">
+              <a:shade val="95000"/>
+              <a:satMod val="105000"/>
+            </a:schemeClr>
+          </a:solidFill>
+          <a:prstDash val="solid"/>
+        </a:ln>
+        <a:ln w="25400" cap="flat" cmpd="sng" algn="ctr">
+          <a:solidFill>
+            <a:schemeClr val="phClr"/>
+          </a:solidFill>
+          <a:prstDash val="solid"/>
+        </a:ln>
+        <a:ln w="38100" cap="flat" cmpd="sng" algn="ctr">
+          <a:solidFill>
+            <a:schemeClr val="phClr"/>
+          </a:solidFill>
+          <a:prstDash val="solid"/>
+        </a:ln>
+      </a:lnStyleLst>
+      <a:effectStyleLst>
+        <a:effectStyle>
+          <a:effectLst>
+            <a:outerShdw blurRad="40000" dist="20000" dir="5400000" rotWithShape="0">
+              <a:srgbClr val="000000">
+                <a:alpha val="38000"/>
+              </a:srgbClr>
+            </a:outerShdw>
+          </a:effectLst>
+        </a:effectStyle>
+        <a:effectStyle>
+          <a:effectLst>
+            <a:outerShdw blurRad="40000" dist="23000" dir="5400000" rotWithShape="0">
+              <a:srgbClr val="000000">
+                <a:alpha val="35000"/>
+              </a:srgbClr>
+            </a:outerShdw>
+          </a:effectLst>
+        </a:effectStyle>
+        <a:effectStyle>
+          <a:effectLst>
+            <a:outerShdw blurRad="40000" dist="23000" dir="5400000" rotWithShape="0">
+              <a:srgbClr val="000000">
+                <a:alpha val="35000"/>
+              </a:srgbClr>
+            </a:outerShdw>
+          </a:effectLst>
+          <a:scene3d>
+            <a:camera prst="orthographicFront">
+              <a:rot lat="0" lon="0" rev="0"/>
+            </a:camera>
+            <a:lightRig rig="threePt" dir="t">
+              <a:rot lat="0" lon="0" rev="1200000"/>
+            </a:lightRig>
+          </a:scene3d>
+          <a:sp3d>
+            <a:bevelT w="63500" h="25400"/>
+          </a:sp3d>
+        </a:effectStyle>
+      </a:effectStyleLst>
+      <a:bgFillStyleLst>
+        <a:solidFill>
+          <a:schemeClr val="phClr"/>
+        </a:solidFill>
+        <a:gradFill rotWithShape="1">
+          <a:gsLst>
+            <a:gs pos="0">
+              <a:schemeClr val="phClr">
+                <a:tint val="40000"/>
+                <a:satMod val="350000"/>
+              </a:schemeClr>
+            </a:gs>
+            <a:gs pos="40000">
+              <a:schemeClr val="phClr">
+                <a:tint val="45000"/>
+                <a:shade val="99000"/>
+                <a:satMod val="350000"/>
+              </a:schemeClr>
+            </a:gs>
+            <a:gs pos="100000">
+              <a:schemeClr val="phClr">
+                <a:shade val="20000"/>
+                <a:satMod val="255000"/>
+              </a:schemeClr>
+            </a:gs>
+          </a:gsLst>
+          <a:path path="circle">
+            <a:fillToRect l="50000" t="-80000" r="50000" b="180000"/>
+          </a:path>
+        </a:gradFill>
+        <a:gradFill rotWithShape="1">
+          <a:gsLst>
+            <a:gs pos="0">
+              <a:schemeClr val="phClr">
+                <a:tint val="80000"/>
+                <a:satMod val="300000"/>
+              </a:schemeClr>
+            </a:gs>
+            <a:gs pos="100000">
+              <a:schemeClr val="phClr">
+                <a:shade val="30000"/>
+                <a:satMod val="200000"/>
+              </a:schemeClr>
+            </a:gs>
+          </a:gsLst>
+          <a:path path="circle">
+            <a:fillToRect l="50000" t="50000" r="50000" b="50000"/>
+          </a:path>
+        </a:gradFill>
+      </a:bgFillStyleLst>
+    </a:fmtScheme>
+  </a:themeElements>
+</a:theme>
+</file>
+
+<file path=ppt/theme/theme2.xml><?xml version="1.0" encoding="utf-8"?>
 <a:theme xmlns:a="http://schemas.openxmlformats.org/drawingml/2006/main" xmlns:r="http://schemas.openxmlformats.org/officeDocument/2006/relationships" name="slate">
   <a:themeElements>
     <a:clrScheme name="Slate">
@@ -6150,283 +6653,4 @@
     </a:fmtScheme>
   </a:themeElements>
 </a:theme>
-</file>
-
-<file path=ppt/theme/theme2.xml><?xml version="1.0" encoding="utf-8"?>
-<a:theme xmlns:a="http://schemas.openxmlformats.org/drawingml/2006/main" xmlns:r="http://schemas.openxmlformats.org/officeDocument/2006/relationships" name="Custom Theme">
-  <a:themeElements>
-    <a:clrScheme name="Default">
-      <a:dk1>
-        <a:srgbClr val="000000"/>
-      </a:dk1>
-      <a:lt1>
-        <a:srgbClr val="FFFFFF"/>
-      </a:lt1>
-      <a:dk2>
-        <a:srgbClr val="158158"/>
-      </a:dk2>
-      <a:lt2>
-        <a:srgbClr val="F3F3F3"/>
-      </a:lt2>
-      <a:accent1>
-        <a:srgbClr val="058DC7"/>
-      </a:accent1>
-      <a:accent2>
-        <a:srgbClr val="50B432"/>
-      </a:accent2>
-      <a:accent3>
-        <a:srgbClr val="ED561B"/>
-      </a:accent3>
-      <a:accent4>
-        <a:srgbClr val="EDEF00"/>
-      </a:accent4>
-      <a:accent5>
-        <a:srgbClr val="24CBE5"/>
-      </a:accent5>
-      <a:accent6>
-        <a:srgbClr val="64E572"/>
-      </a:accent6>
-      <a:hlink>
-        <a:srgbClr val="2200CC"/>
-      </a:hlink>
-      <a:folHlink>
-        <a:srgbClr val="551A8B"/>
-      </a:folHlink>
-    </a:clrScheme>
-    <a:fontScheme name="Office">
-      <a:majorFont>
-        <a:latin typeface="Arial"/>
-        <a:ea typeface=""/>
-        <a:cs typeface=""/>
-        <a:font script="Jpan" typeface="ＭＳ Ｐゴシック"/>
-        <a:font script="Hang" typeface="맑은 고딕"/>
-        <a:font script="Hans" typeface="宋体"/>
-        <a:font script="Hant" typeface="新細明體"/>
-        <a:font script="Arab" typeface="Times New Roman"/>
-        <a:font script="Hebr" typeface="Times New Roman"/>
-        <a:font script="Thai" typeface="Angsana New"/>
-        <a:font script="Ethi" typeface="Nyala"/>
-        <a:font script="Beng" typeface="Vrinda"/>
-        <a:font script="Gujr" typeface="Shruti"/>
-        <a:font script="Khmr" typeface="MoolBoran"/>
-        <a:font script="Knda" typeface="Tunga"/>
-        <a:font script="Guru" typeface="Raavi"/>
-        <a:font script="Cans" typeface="Euphemia"/>
-        <a:font script="Cher" typeface="Plantagenet Cherokee"/>
-        <a:font script="Yiii" typeface="Microsoft Yi Baiti"/>
-        <a:font script="Tibt" typeface="Microsoft Himalaya"/>
-        <a:font script="Thaa" typeface="MV Boli"/>
-        <a:font script="Deva" typeface="Mangal"/>
-        <a:font script="Telu" typeface="Gautami"/>
-        <a:font script="Taml" typeface="Latha"/>
-        <a:font script="Syrc" typeface="Estrangelo Edessa"/>
-        <a:font script="Orya" typeface="Kalinga"/>
-        <a:font script="Mlym" typeface="Kartika"/>
-        <a:font script="Laoo" typeface="DokChampa"/>
-        <a:font script="Sinh" typeface="Iskoola Pota"/>
-        <a:font script="Mong" typeface="Mongolian Baiti"/>
-        <a:font script="Viet" typeface="Times New Roman"/>
-        <a:font script="Uigh" typeface="Microsoft Uighur"/>
-        <a:font script="Geor" typeface="Sylfaen"/>
-      </a:majorFont>
-      <a:minorFont>
-        <a:latin typeface="Arial"/>
-        <a:ea typeface=""/>
-        <a:cs typeface=""/>
-        <a:font script="Jpan" typeface="ＭＳ Ｐゴシック"/>
-        <a:font script="Hang" typeface="맑은 고딕"/>
-        <a:font script="Hans" typeface="宋体"/>
-        <a:font script="Hant" typeface="新細明體"/>
-        <a:font script="Arab" typeface="Arial"/>
-        <a:font script="Hebr" typeface="Arial"/>
-        <a:font script="Thai" typeface="Cordia New"/>
-        <a:font script="Ethi" typeface="Nyala"/>
-        <a:font script="Beng" typeface="Vrinda"/>
-        <a:font script="Gujr" typeface="Shruti"/>
-        <a:font script="Khmr" typeface="DaunPenh"/>
-        <a:font script="Knda" typeface="Tunga"/>
-        <a:font script="Guru" typeface="Raavi"/>
-        <a:font script="Cans" typeface="Euphemia"/>
-        <a:font script="Cher" typeface="Plantagenet Cherokee"/>
-        <a:font script="Yiii" typeface="Microsoft Yi Baiti"/>
-        <a:font script="Tibt" typeface="Microsoft Himalaya"/>
-        <a:font script="Thaa" typeface="MV Boli"/>
-        <a:font script="Deva" typeface="Mangal"/>
-        <a:font script="Telu" typeface="Gautami"/>
-        <a:font script="Taml" typeface="Latha"/>
-        <a:font script="Syrc" typeface="Estrangelo Edessa"/>
-        <a:font script="Orya" typeface="Kalinga"/>
-        <a:font script="Mlym" typeface="Kartika"/>
-        <a:font script="Laoo" typeface="DokChampa"/>
-        <a:font script="Sinh" typeface="Iskoola Pota"/>
-        <a:font script="Mong" typeface="Mongolian Baiti"/>
-        <a:font script="Viet" typeface="Arial"/>
-        <a:font script="Uigh" typeface="Microsoft Uighur"/>
-        <a:font script="Geor" typeface="Sylfaen"/>
-      </a:minorFont>
-    </a:fontScheme>
-    <a:fmtScheme name="Office">
-      <a:fillStyleLst>
-        <a:solidFill>
-          <a:schemeClr val="phClr"/>
-        </a:solidFill>
-        <a:gradFill rotWithShape="1">
-          <a:gsLst>
-            <a:gs pos="0">
-              <a:schemeClr val="phClr">
-                <a:tint val="50000"/>
-                <a:satMod val="300000"/>
-              </a:schemeClr>
-            </a:gs>
-            <a:gs pos="35000">
-              <a:schemeClr val="phClr">
-                <a:tint val="37000"/>
-                <a:satMod val="300000"/>
-              </a:schemeClr>
-            </a:gs>
-            <a:gs pos="100000">
-              <a:schemeClr val="phClr">
-                <a:tint val="15000"/>
-                <a:satMod val="350000"/>
-              </a:schemeClr>
-            </a:gs>
-          </a:gsLst>
-          <a:lin ang="16200000" scaled="1"/>
-        </a:gradFill>
-        <a:gradFill rotWithShape="1">
-          <a:gsLst>
-            <a:gs pos="0">
-              <a:schemeClr val="phClr">
-                <a:tint val="100000"/>
-                <a:shade val="100000"/>
-                <a:satMod val="130000"/>
-              </a:schemeClr>
-            </a:gs>
-            <a:gs pos="100000">
-              <a:schemeClr val="phClr">
-                <a:tint val="50000"/>
-                <a:shade val="100000"/>
-                <a:satMod val="350000"/>
-              </a:schemeClr>
-            </a:gs>
-          </a:gsLst>
-          <a:lin ang="16200000" scaled="0"/>
-        </a:gradFill>
-      </a:fillStyleLst>
-      <a:lnStyleLst>
-        <a:ln w="9525" cap="flat" cmpd="sng" algn="ctr">
-          <a:solidFill>
-            <a:schemeClr val="phClr">
-              <a:shade val="95000"/>
-              <a:satMod val="105000"/>
-            </a:schemeClr>
-          </a:solidFill>
-          <a:prstDash val="solid"/>
-        </a:ln>
-        <a:ln w="25400" cap="flat" cmpd="sng" algn="ctr">
-          <a:solidFill>
-            <a:schemeClr val="phClr"/>
-          </a:solidFill>
-          <a:prstDash val="solid"/>
-        </a:ln>
-        <a:ln w="38100" cap="flat" cmpd="sng" algn="ctr">
-          <a:solidFill>
-            <a:schemeClr val="phClr"/>
-          </a:solidFill>
-          <a:prstDash val="solid"/>
-        </a:ln>
-      </a:lnStyleLst>
-      <a:effectStyleLst>
-        <a:effectStyle>
-          <a:effectLst>
-            <a:outerShdw blurRad="40000" dist="20000" dir="5400000" rotWithShape="0">
-              <a:srgbClr val="000000">
-                <a:alpha val="38000"/>
-              </a:srgbClr>
-            </a:outerShdw>
-          </a:effectLst>
-        </a:effectStyle>
-        <a:effectStyle>
-          <a:effectLst>
-            <a:outerShdw blurRad="40000" dist="23000" dir="5400000" rotWithShape="0">
-              <a:srgbClr val="000000">
-                <a:alpha val="35000"/>
-              </a:srgbClr>
-            </a:outerShdw>
-          </a:effectLst>
-        </a:effectStyle>
-        <a:effectStyle>
-          <a:effectLst>
-            <a:outerShdw blurRad="40000" dist="23000" dir="5400000" rotWithShape="0">
-              <a:srgbClr val="000000">
-                <a:alpha val="35000"/>
-              </a:srgbClr>
-            </a:outerShdw>
-          </a:effectLst>
-          <a:scene3d>
-            <a:camera prst="orthographicFront">
-              <a:rot lat="0" lon="0" rev="0"/>
-            </a:camera>
-            <a:lightRig rig="threePt" dir="t">
-              <a:rot lat="0" lon="0" rev="1200000"/>
-            </a:lightRig>
-          </a:scene3d>
-          <a:sp3d>
-            <a:bevelT w="63500" h="25400"/>
-          </a:sp3d>
-        </a:effectStyle>
-      </a:effectStyleLst>
-      <a:bgFillStyleLst>
-        <a:solidFill>
-          <a:schemeClr val="phClr"/>
-        </a:solidFill>
-        <a:gradFill rotWithShape="1">
-          <a:gsLst>
-            <a:gs pos="0">
-              <a:schemeClr val="phClr">
-                <a:tint val="40000"/>
-                <a:satMod val="350000"/>
-              </a:schemeClr>
-            </a:gs>
-            <a:gs pos="40000">
-              <a:schemeClr val="phClr">
-                <a:tint val="45000"/>
-                <a:shade val="99000"/>
-                <a:satMod val="350000"/>
-              </a:schemeClr>
-            </a:gs>
-            <a:gs pos="100000">
-              <a:schemeClr val="phClr">
-                <a:shade val="20000"/>
-                <a:satMod val="255000"/>
-              </a:schemeClr>
-            </a:gs>
-          </a:gsLst>
-          <a:path path="circle">
-            <a:fillToRect l="50000" t="-80000" r="50000" b="180000"/>
-          </a:path>
-        </a:gradFill>
-        <a:gradFill rotWithShape="1">
-          <a:gsLst>
-            <a:gs pos="0">
-              <a:schemeClr val="phClr">
-                <a:tint val="80000"/>
-                <a:satMod val="300000"/>
-              </a:schemeClr>
-            </a:gs>
-            <a:gs pos="100000">
-              <a:schemeClr val="phClr">
-                <a:shade val="30000"/>
-                <a:satMod val="200000"/>
-              </a:schemeClr>
-            </a:gs>
-          </a:gsLst>
-          <a:path path="circle">
-            <a:fillToRect l="50000" t="50000" r="50000" b="50000"/>
-          </a:path>
-        </a:gradFill>
-      </a:bgFillStyleLst>
-    </a:fmtScheme>
-  </a:themeElements>
-</a:theme>
 </file>